--- a/MSDS6306_CaseStudy_02_RobertPrice.pptx
+++ b/MSDS6306_CaseStudy_02_RobertPrice.pptx
@@ -5,7 +5,7 @@
     <p:sldMasterId id="2147483648" r:id="rId1"/>
   </p:sldMasterIdLst>
   <p:notesMasterIdLst>
-    <p:notesMasterId r:id="rId11"/>
+    <p:notesMasterId r:id="rId12"/>
   </p:notesMasterIdLst>
   <p:sldIdLst>
     <p:sldId id="266" r:id="rId2"/>
@@ -17,6 +17,7 @@
     <p:sldId id="272" r:id="rId8"/>
     <p:sldId id="273" r:id="rId9"/>
     <p:sldId id="274" r:id="rId10"/>
+    <p:sldId id="275" r:id="rId11"/>
   </p:sldIdLst>
   <p:sldSz cx="12192000" cy="6858000"/>
   <p:notesSz cx="6858000" cy="9144000"/>
@@ -1553,6 +1554,115 @@
     <p:extLst>
       <p:ext uri="{BB962C8B-B14F-4D97-AF65-F5344CB8AC3E}">
         <p14:creationId xmlns:p14="http://schemas.microsoft.com/office/powerpoint/2010/main" val="1580023302"/>
+      </p:ext>
+    </p:extLst>
+  </p:cSld>
+  <p:clrMapOvr>
+    <a:masterClrMapping/>
+  </p:clrMapOvr>
+</p:notes>
+</file>
+
+<file path=ppt/notesSlides/notesSlide10.xml><?xml version="1.0" encoding="utf-8"?>
+<p:notes xmlns:a="http://schemas.openxmlformats.org/drawingml/2006/main" xmlns:r="http://schemas.openxmlformats.org/officeDocument/2006/relationships" xmlns:p="http://schemas.openxmlformats.org/presentationml/2006/main" showMasterSp="0" showMasterPhAnim="0">
+  <p:cSld>
+    <p:spTree>
+      <p:nvGrpSpPr>
+        <p:cNvPr id="1" name="Shape 100"/>
+        <p:cNvGrpSpPr/>
+        <p:nvPr/>
+      </p:nvGrpSpPr>
+      <p:grpSpPr>
+        <a:xfrm>
+          <a:off x="0" y="0"/>
+          <a:ext cx="0" cy="0"/>
+          <a:chOff x="0" y="0"/>
+          <a:chExt cx="0" cy="0"/>
+        </a:xfrm>
+      </p:grpSpPr>
+      <p:sp>
+        <p:nvSpPr>
+          <p:cNvPr id="101" name="Google Shape;101;p2:notes"/>
+          <p:cNvSpPr txBox="1">
+            <a:spLocks noGrp="1"/>
+          </p:cNvSpPr>
+          <p:nvPr>
+            <p:ph type="body" idx="1"/>
+          </p:nvPr>
+        </p:nvSpPr>
+        <p:spPr>
+          <a:xfrm>
+            <a:off x="685800" y="4400550"/>
+            <a:ext cx="5486400" cy="3600450"/>
+          </a:xfrm>
+          <a:prstGeom prst="rect">
+            <a:avLst/>
+          </a:prstGeom>
+        </p:spPr>
+        <p:txBody>
+          <a:bodyPr spcFirstLastPara="1" wrap="square" lIns="91425" tIns="45700" rIns="91425" bIns="45700" anchor="t" anchorCtr="0">
+            <a:noAutofit/>
+          </a:bodyPr>
+          <a:lstStyle/>
+          <a:p>
+            <a:pPr marL="0" lvl="0" indent="0" algn="l" rtl="0">
+              <a:spcBef>
+                <a:spcPts val="0"/>
+              </a:spcBef>
+              <a:spcAft>
+                <a:spcPts val="0"/>
+              </a:spcAft>
+              <a:buNone/>
+            </a:pPr>
+            <a:endParaRPr/>
+          </a:p>
+        </p:txBody>
+      </p:sp>
+      <p:sp>
+        <p:nvSpPr>
+          <p:cNvPr id="102" name="Google Shape;102;p2:notes"/>
+          <p:cNvSpPr>
+            <a:spLocks noGrp="1" noRot="1" noChangeAspect="1"/>
+          </p:cNvSpPr>
+          <p:nvPr>
+            <p:ph type="sldImg" idx="2"/>
+          </p:nvPr>
+        </p:nvSpPr>
+        <p:spPr>
+          <a:xfrm>
+            <a:off x="685800" y="1143000"/>
+            <a:ext cx="5486400" cy="3086100"/>
+          </a:xfrm>
+          <a:custGeom>
+            <a:avLst/>
+            <a:gdLst/>
+            <a:ahLst/>
+            <a:cxnLst/>
+            <a:rect l="l" t="t" r="r" b="b"/>
+            <a:pathLst>
+              <a:path w="120000" h="120000" extrusionOk="0">
+                <a:moveTo>
+                  <a:pt x="0" y="0"/>
+                </a:moveTo>
+                <a:lnTo>
+                  <a:pt x="120000" y="0"/>
+                </a:lnTo>
+                <a:lnTo>
+                  <a:pt x="120000" y="120000"/>
+                </a:lnTo>
+                <a:lnTo>
+                  <a:pt x="0" y="120000"/>
+                </a:lnTo>
+                <a:close/>
+              </a:path>
+            </a:pathLst>
+          </a:custGeom>
+        </p:spPr>
+      </p:sp>
+    </p:spTree>
+    <p:extLst>
+      <p:ext uri="{BB962C8B-B14F-4D97-AF65-F5344CB8AC3E}">
+        <p14:creationId xmlns:p14="http://schemas.microsoft.com/office/powerpoint/2010/main" val="2792670774"/>
       </p:ext>
     </p:extLst>
   </p:cSld>
@@ -13684,6 +13794,540 @@
 </p:sld>
 </file>
 
+<file path=ppt/slides/slide10.xml><?xml version="1.0" encoding="utf-8"?>
+<p:sld xmlns:a="http://schemas.openxmlformats.org/drawingml/2006/main" xmlns:r="http://schemas.openxmlformats.org/officeDocument/2006/relationships" xmlns:p="http://schemas.openxmlformats.org/presentationml/2006/main">
+  <p:cSld>
+    <p:spTree>
+      <p:nvGrpSpPr>
+        <p:cNvPr id="1" name="Shape 103"/>
+        <p:cNvGrpSpPr/>
+        <p:nvPr/>
+      </p:nvGrpSpPr>
+      <p:grpSpPr>
+        <a:xfrm>
+          <a:off x="0" y="0"/>
+          <a:ext cx="0" cy="0"/>
+          <a:chOff x="0" y="0"/>
+          <a:chExt cx="0" cy="0"/>
+        </a:xfrm>
+      </p:grpSpPr>
+      <p:sp>
+        <p:nvSpPr>
+          <p:cNvPr id="104" name="Google Shape;104;p2"/>
+          <p:cNvSpPr txBox="1">
+            <a:spLocks noGrp="1"/>
+          </p:cNvSpPr>
+          <p:nvPr>
+            <p:ph type="title"/>
+          </p:nvPr>
+        </p:nvSpPr>
+        <p:spPr>
+          <a:xfrm>
+            <a:off x="838200" y="365127"/>
+            <a:ext cx="10515600" cy="575708"/>
+          </a:xfrm>
+          <a:prstGeom prst="rect">
+            <a:avLst/>
+          </a:prstGeom>
+          <a:noFill/>
+          <a:ln w="9525" cap="flat" cmpd="sng">
+            <a:solidFill>
+              <a:srgbClr val="FFFFFF"/>
+            </a:solidFill>
+            <a:prstDash val="solid"/>
+            <a:round/>
+            <a:headEnd type="none" w="sm" len="sm"/>
+            <a:tailEnd type="none" w="sm" len="sm"/>
+          </a:ln>
+        </p:spPr>
+        <p:txBody>
+          <a:bodyPr spcFirstLastPara="1" wrap="square" lIns="91425" tIns="45700" rIns="91425" bIns="45700" anchor="ctr" anchorCtr="0">
+            <a:normAutofit fontScale="90000"/>
+          </a:bodyPr>
+          <a:lstStyle/>
+          <a:p>
+            <a:pPr marL="0" lvl="0" indent="0" algn="l" rtl="0">
+              <a:lnSpc>
+                <a:spcPct val="90000"/>
+              </a:lnSpc>
+              <a:spcBef>
+                <a:spcPts val="0"/>
+              </a:spcBef>
+              <a:spcAft>
+                <a:spcPts val="0"/>
+              </a:spcAft>
+              <a:buClr>
+                <a:srgbClr val="DD1731"/>
+              </a:buClr>
+              <a:buSzPts val="2800"/>
+              <a:buFont typeface="Calibri"/>
+              <a:buNone/>
+            </a:pPr>
+            <a:r>
+              <a:rPr lang="en-US" sz="2200" b="1" dirty="0">
+                <a:solidFill>
+                  <a:schemeClr val="tx1">
+                    <a:lumMod val="75000"/>
+                    <a:lumOff val="25000"/>
+                  </a:schemeClr>
+                </a:solidFill>
+              </a:rPr>
+              <a:t>A multiple linear regression model was used to </a:t>
+            </a:r>
+            <a:r>
+              <a:rPr lang="en-US" sz="2200" b="1" dirty="0">
+                <a:solidFill>
+                  <a:srgbClr val="0C6291"/>
+                </a:solidFill>
+              </a:rPr>
+              <a:t>predict employee monthly incomes</a:t>
+            </a:r>
+            <a:r>
+              <a:rPr lang="en-US" sz="2200" b="1" dirty="0">
+                <a:solidFill>
+                  <a:schemeClr val="tx1">
+                    <a:lumMod val="75000"/>
+                    <a:lumOff val="25000"/>
+                  </a:schemeClr>
+                </a:solidFill>
+              </a:rPr>
+              <a:t>, resulting in a RMSE of $1,017</a:t>
+            </a:r>
+            <a:endParaRPr sz="2200" dirty="0">
+              <a:solidFill>
+                <a:schemeClr val="tx1">
+                  <a:lumMod val="75000"/>
+                  <a:lumOff val="25000"/>
+                </a:schemeClr>
+              </a:solidFill>
+            </a:endParaRPr>
+          </a:p>
+        </p:txBody>
+      </p:sp>
+      <p:cxnSp>
+        <p:nvCxnSpPr>
+          <p:cNvPr id="105" name="Google Shape;105;p2"/>
+          <p:cNvCxnSpPr/>
+          <p:nvPr/>
+        </p:nvCxnSpPr>
+        <p:spPr>
+          <a:xfrm>
+            <a:off x="838200" y="1003718"/>
+            <a:ext cx="10515600" cy="0"/>
+          </a:xfrm>
+          <a:prstGeom prst="straightConnector1">
+            <a:avLst/>
+          </a:prstGeom>
+          <a:noFill/>
+          <a:ln w="28575" cap="flat" cmpd="sng">
+            <a:solidFill>
+              <a:schemeClr val="tx1">
+                <a:lumMod val="75000"/>
+                <a:lumOff val="25000"/>
+              </a:schemeClr>
+            </a:solidFill>
+            <a:prstDash val="solid"/>
+            <a:miter lim="800000"/>
+            <a:headEnd type="none" w="sm" len="sm"/>
+            <a:tailEnd type="none" w="sm" len="sm"/>
+          </a:ln>
+        </p:spPr>
+      </p:cxnSp>
+      <p:grpSp>
+        <p:nvGrpSpPr>
+          <p:cNvPr id="5" name="Group 4">
+            <a:extLst>
+              <a:ext uri="{FF2B5EF4-FFF2-40B4-BE49-F238E27FC236}">
+                <a16:creationId xmlns:a16="http://schemas.microsoft.com/office/drawing/2014/main" id="{08DEB706-83DA-41E1-91CD-A71A2DC3ADFE}"/>
+              </a:ext>
+            </a:extLst>
+          </p:cNvPr>
+          <p:cNvGrpSpPr/>
+          <p:nvPr/>
+        </p:nvGrpSpPr>
+        <p:grpSpPr>
+          <a:xfrm>
+            <a:off x="9756560" y="6019998"/>
+            <a:ext cx="2068496" cy="609600"/>
+            <a:chOff x="6968971" y="4830390"/>
+            <a:chExt cx="2068496" cy="609600"/>
+          </a:xfrm>
+        </p:grpSpPr>
+        <p:pic>
+          <p:nvPicPr>
+            <p:cNvPr id="3" name="Picture 2" descr="Icon&#10;&#10;Description automatically generated">
+              <a:extLst>
+                <a:ext uri="{FF2B5EF4-FFF2-40B4-BE49-F238E27FC236}">
+                  <a16:creationId xmlns:a16="http://schemas.microsoft.com/office/drawing/2014/main" id="{F27350D8-92AD-48C3-9CD9-DC896CF9C9E4}"/>
+                </a:ext>
+              </a:extLst>
+            </p:cNvPr>
+            <p:cNvPicPr>
+              <a:picLocks noChangeAspect="1"/>
+            </p:cNvPicPr>
+            <p:nvPr/>
+          </p:nvPicPr>
+          <p:blipFill>
+            <a:blip r:embed="rId3"/>
+            <a:stretch>
+              <a:fillRect/>
+            </a:stretch>
+          </p:blipFill>
+          <p:spPr>
+            <a:xfrm>
+              <a:off x="8427867" y="4830390"/>
+              <a:ext cx="609600" cy="609600"/>
+            </a:xfrm>
+            <a:prstGeom prst="rect">
+              <a:avLst/>
+            </a:prstGeom>
+          </p:spPr>
+        </p:pic>
+        <p:sp>
+          <p:nvSpPr>
+            <p:cNvPr id="4" name="TextBox 3">
+              <a:extLst>
+                <a:ext uri="{FF2B5EF4-FFF2-40B4-BE49-F238E27FC236}">
+                  <a16:creationId xmlns:a16="http://schemas.microsoft.com/office/drawing/2014/main" id="{58738304-5B9A-477D-9256-025B49417915}"/>
+                </a:ext>
+              </a:extLst>
+            </p:cNvPr>
+            <p:cNvSpPr txBox="1"/>
+            <p:nvPr/>
+          </p:nvSpPr>
+          <p:spPr>
+            <a:xfrm>
+              <a:off x="6968971" y="4981301"/>
+              <a:ext cx="1538795" cy="307777"/>
+            </a:xfrm>
+            <a:prstGeom prst="rect">
+              <a:avLst/>
+            </a:prstGeom>
+            <a:noFill/>
+          </p:spPr>
+          <p:txBody>
+            <a:bodyPr wrap="square" rtlCol="0">
+              <a:spAutoFit/>
+            </a:bodyPr>
+            <a:lstStyle/>
+            <a:p>
+              <a:r>
+                <a:rPr lang="en-US" b="1" i="1" dirty="0">
+                  <a:solidFill>
+                    <a:srgbClr val="0C6291"/>
+                  </a:solidFill>
+                </a:rPr>
+                <a:t>DDS Analytics</a:t>
+              </a:r>
+            </a:p>
+          </p:txBody>
+        </p:sp>
+      </p:grpSp>
+      <p:sp>
+        <p:nvSpPr>
+          <p:cNvPr id="11" name="Google Shape;110;p2">
+            <a:extLst>
+              <a:ext uri="{FF2B5EF4-FFF2-40B4-BE49-F238E27FC236}">
+                <a16:creationId xmlns:a16="http://schemas.microsoft.com/office/drawing/2014/main" id="{833B44EE-94EA-47AF-A015-E0E1A551E7C2}"/>
+              </a:ext>
+            </a:extLst>
+          </p:cNvPr>
+          <p:cNvSpPr/>
+          <p:nvPr/>
+        </p:nvSpPr>
+        <p:spPr>
+          <a:xfrm>
+            <a:off x="838200" y="1579951"/>
+            <a:ext cx="4994429" cy="391458"/>
+          </a:xfrm>
+          <a:prstGeom prst="rect">
+            <a:avLst/>
+          </a:prstGeom>
+          <a:solidFill>
+            <a:srgbClr val="0C6291"/>
+          </a:solidFill>
+          <a:ln>
+            <a:noFill/>
+          </a:ln>
+        </p:spPr>
+        <p:txBody>
+          <a:bodyPr spcFirstLastPara="1" wrap="square" lIns="91425" tIns="45700" rIns="91425" bIns="45700" anchor="ctr" anchorCtr="0">
+            <a:noAutofit/>
+          </a:bodyPr>
+          <a:lstStyle/>
+          <a:p>
+            <a:pPr marL="0" marR="0" lvl="0" indent="0" algn="ctr" rtl="0">
+              <a:spcBef>
+                <a:spcPts val="0"/>
+              </a:spcBef>
+              <a:spcAft>
+                <a:spcPts val="0"/>
+              </a:spcAft>
+              <a:buNone/>
+            </a:pPr>
+            <a:r>
+              <a:rPr lang="en-US" b="1" dirty="0">
+                <a:solidFill>
+                  <a:schemeClr val="lt1"/>
+                </a:solidFill>
+                <a:latin typeface="Calibri"/>
+                <a:cs typeface="Calibri"/>
+                <a:sym typeface="Calibri"/>
+              </a:rPr>
+              <a:t>Residuals Plot for Monthly Income</a:t>
+            </a:r>
+            <a:endParaRPr lang="en-US" dirty="0"/>
+          </a:p>
+        </p:txBody>
+      </p:sp>
+      <p:sp>
+        <p:nvSpPr>
+          <p:cNvPr id="13" name="Google Shape;110;p2">
+            <a:extLst>
+              <a:ext uri="{FF2B5EF4-FFF2-40B4-BE49-F238E27FC236}">
+                <a16:creationId xmlns:a16="http://schemas.microsoft.com/office/drawing/2014/main" id="{9A8762EE-C956-4528-A031-E7EA15CE4FC5}"/>
+              </a:ext>
+            </a:extLst>
+          </p:cNvPr>
+          <p:cNvSpPr/>
+          <p:nvPr/>
+        </p:nvSpPr>
+        <p:spPr>
+          <a:xfrm>
+            <a:off x="6359373" y="1579951"/>
+            <a:ext cx="4994429" cy="391458"/>
+          </a:xfrm>
+          <a:prstGeom prst="rect">
+            <a:avLst/>
+          </a:prstGeom>
+          <a:solidFill>
+            <a:srgbClr val="0C6291"/>
+          </a:solidFill>
+          <a:ln w="38100">
+            <a:noFill/>
+          </a:ln>
+        </p:spPr>
+        <p:txBody>
+          <a:bodyPr spcFirstLastPara="1" wrap="square" lIns="91425" tIns="45700" rIns="91425" bIns="45700" anchor="ctr" anchorCtr="0">
+            <a:noAutofit/>
+          </a:bodyPr>
+          <a:lstStyle/>
+          <a:p>
+            <a:pPr marL="0" marR="0" lvl="0" indent="0" algn="ctr" rtl="0">
+              <a:spcBef>
+                <a:spcPts val="0"/>
+              </a:spcBef>
+              <a:spcAft>
+                <a:spcPts val="0"/>
+              </a:spcAft>
+              <a:buNone/>
+            </a:pPr>
+            <a:r>
+              <a:rPr lang="en-US" b="1" dirty="0">
+                <a:solidFill>
+                  <a:schemeClr val="bg1"/>
+                </a:solidFill>
+                <a:latin typeface="Calibri"/>
+                <a:cs typeface="Calibri"/>
+                <a:sym typeface="Calibri"/>
+              </a:rPr>
+              <a:t>Observed vs Predicted Values for Monthly Income</a:t>
+            </a:r>
+            <a:endParaRPr dirty="0">
+              <a:solidFill>
+                <a:schemeClr val="bg1"/>
+              </a:solidFill>
+            </a:endParaRPr>
+          </a:p>
+        </p:txBody>
+      </p:sp>
+      <p:grpSp>
+        <p:nvGrpSpPr>
+          <p:cNvPr id="9" name="Group 8">
+            <a:extLst>
+              <a:ext uri="{FF2B5EF4-FFF2-40B4-BE49-F238E27FC236}">
+                <a16:creationId xmlns:a16="http://schemas.microsoft.com/office/drawing/2014/main" id="{EFD6E538-1FE6-4849-AC6F-CE919429EE71}"/>
+              </a:ext>
+            </a:extLst>
+          </p:cNvPr>
+          <p:cNvGrpSpPr/>
+          <p:nvPr/>
+        </p:nvGrpSpPr>
+        <p:grpSpPr>
+          <a:xfrm>
+            <a:off x="2358609" y="5620234"/>
+            <a:ext cx="1953609" cy="468095"/>
+            <a:chOff x="838202" y="2417273"/>
+            <a:chExt cx="1953609" cy="468095"/>
+          </a:xfrm>
+        </p:grpSpPr>
+        <p:sp>
+          <p:nvSpPr>
+            <p:cNvPr id="18" name="Google Shape;117;p2">
+              <a:extLst>
+                <a:ext uri="{FF2B5EF4-FFF2-40B4-BE49-F238E27FC236}">
+                  <a16:creationId xmlns:a16="http://schemas.microsoft.com/office/drawing/2014/main" id="{E223B141-D8F4-4BCC-932D-43FD475A551B}"/>
+                </a:ext>
+              </a:extLst>
+            </p:cNvPr>
+            <p:cNvSpPr/>
+            <p:nvPr/>
+          </p:nvSpPr>
+          <p:spPr>
+            <a:xfrm>
+              <a:off x="838202" y="2417273"/>
+              <a:ext cx="1953609" cy="468095"/>
+            </a:xfrm>
+            <a:prstGeom prst="rect">
+              <a:avLst/>
+            </a:prstGeom>
+            <a:solidFill>
+              <a:srgbClr val="E7E6E6"/>
+            </a:solidFill>
+            <a:ln>
+              <a:noFill/>
+            </a:ln>
+          </p:spPr>
+          <p:txBody>
+            <a:bodyPr spcFirstLastPara="1" wrap="square" lIns="91425" tIns="45700" rIns="91425" bIns="45700" anchor="ctr" anchorCtr="0">
+              <a:noAutofit/>
+            </a:bodyPr>
+            <a:lstStyle/>
+            <a:p>
+              <a:pPr marL="0" marR="0" lvl="0" indent="0" algn="ctr" rtl="0">
+                <a:spcBef>
+                  <a:spcPts val="0"/>
+                </a:spcBef>
+                <a:spcAft>
+                  <a:spcPts val="0"/>
+                </a:spcAft>
+                <a:buNone/>
+              </a:pPr>
+              <a:endParaRPr sz="1800" b="1" dirty="0">
+                <a:solidFill>
+                  <a:srgbClr val="C0392B"/>
+                </a:solidFill>
+                <a:latin typeface="Calibri"/>
+                <a:ea typeface="Calibri"/>
+                <a:cs typeface="Calibri"/>
+                <a:sym typeface="Calibri"/>
+              </a:endParaRPr>
+            </a:p>
+          </p:txBody>
+        </p:sp>
+        <p:sp>
+          <p:nvSpPr>
+            <p:cNvPr id="12" name="TextBox 11">
+              <a:extLst>
+                <a:ext uri="{FF2B5EF4-FFF2-40B4-BE49-F238E27FC236}">
+                  <a16:creationId xmlns:a16="http://schemas.microsoft.com/office/drawing/2014/main" id="{2ACC0584-EAC5-4F95-BB11-B336ABD44803}"/>
+                </a:ext>
+              </a:extLst>
+            </p:cNvPr>
+            <p:cNvSpPr txBox="1"/>
+            <p:nvPr/>
+          </p:nvSpPr>
+          <p:spPr>
+            <a:xfrm>
+              <a:off x="1045608" y="2506124"/>
+              <a:ext cx="1538795" cy="307777"/>
+            </a:xfrm>
+            <a:prstGeom prst="rect">
+              <a:avLst/>
+            </a:prstGeom>
+            <a:noFill/>
+          </p:spPr>
+          <p:txBody>
+            <a:bodyPr wrap="square" rtlCol="0">
+              <a:spAutoFit/>
+            </a:bodyPr>
+            <a:lstStyle/>
+            <a:p>
+              <a:r>
+                <a:rPr lang="en-US" b="1" dirty="0">
+                  <a:solidFill>
+                    <a:srgbClr val="C0392B"/>
+                  </a:solidFill>
+                </a:rPr>
+                <a:t>RMSE: $1,017</a:t>
+              </a:r>
+            </a:p>
+          </p:txBody>
+        </p:sp>
+      </p:grpSp>
+      <p:pic>
+        <p:nvPicPr>
+          <p:cNvPr id="6" name="Picture 5">
+            <a:extLst>
+              <a:ext uri="{FF2B5EF4-FFF2-40B4-BE49-F238E27FC236}">
+                <a16:creationId xmlns:a16="http://schemas.microsoft.com/office/drawing/2014/main" id="{D4F1A690-69B1-4DBE-B32B-725089DB0223}"/>
+              </a:ext>
+            </a:extLst>
+          </p:cNvPr>
+          <p:cNvPicPr>
+            <a:picLocks noChangeAspect="1"/>
+          </p:cNvPicPr>
+          <p:nvPr/>
+        </p:nvPicPr>
+        <p:blipFill>
+          <a:blip r:embed="rId4"/>
+          <a:stretch>
+            <a:fillRect/>
+          </a:stretch>
+        </p:blipFill>
+        <p:spPr>
+          <a:xfrm>
+            <a:off x="6461058" y="2118394"/>
+            <a:ext cx="4892742" cy="3279974"/>
+          </a:xfrm>
+          <a:prstGeom prst="rect">
+            <a:avLst/>
+          </a:prstGeom>
+        </p:spPr>
+      </p:pic>
+      <p:pic>
+        <p:nvPicPr>
+          <p:cNvPr id="8" name="Picture 7">
+            <a:extLst>
+              <a:ext uri="{FF2B5EF4-FFF2-40B4-BE49-F238E27FC236}">
+                <a16:creationId xmlns:a16="http://schemas.microsoft.com/office/drawing/2014/main" id="{41515C94-281B-49A3-AF28-A5755341FD9C}"/>
+              </a:ext>
+            </a:extLst>
+          </p:cNvPr>
+          <p:cNvPicPr>
+            <a:picLocks noChangeAspect="1"/>
+          </p:cNvPicPr>
+          <p:nvPr/>
+        </p:nvPicPr>
+        <p:blipFill>
+          <a:blip r:embed="rId5"/>
+          <a:stretch>
+            <a:fillRect/>
+          </a:stretch>
+        </p:blipFill>
+        <p:spPr>
+          <a:xfrm>
+            <a:off x="939885" y="2118394"/>
+            <a:ext cx="4791058" cy="3283527"/>
+          </a:xfrm>
+          <a:prstGeom prst="rect">
+            <a:avLst/>
+          </a:prstGeom>
+        </p:spPr>
+      </p:pic>
+    </p:spTree>
+    <p:extLst>
+      <p:ext uri="{BB962C8B-B14F-4D97-AF65-F5344CB8AC3E}">
+        <p14:creationId xmlns:p14="http://schemas.microsoft.com/office/powerpoint/2010/main" val="2047553448"/>
+      </p:ext>
+    </p:extLst>
+  </p:cSld>
+  <p:clrMapOvr>
+    <a:masterClrMapping/>
+  </p:clrMapOvr>
+</p:sld>
+</file>
+
 <file path=ppt/slides/slide2.xml><?xml version="1.0" encoding="utf-8"?>
 <p:sld xmlns:a="http://schemas.openxmlformats.org/drawingml/2006/main" xmlns:r="http://schemas.openxmlformats.org/officeDocument/2006/relationships" xmlns:p="http://schemas.openxmlformats.org/presentationml/2006/main">
   <p:cSld>
@@ -14089,14 +14733,20 @@
             <a:r>
               <a:rPr lang="en-US" sz="2800" b="1" dirty="0">
                 <a:solidFill>
-                  <a:srgbClr val="0C6291"/>
+                  <a:schemeClr val="tx1">
+                    <a:lumMod val="75000"/>
+                    <a:lumOff val="25000"/>
+                  </a:schemeClr>
                 </a:solidFill>
               </a:rPr>
               <a:t>Data Preparation and Cleaning </a:t>
             </a:r>
             <a:endParaRPr dirty="0">
               <a:solidFill>
-                <a:srgbClr val="0C6291"/>
+                <a:schemeClr val="tx1">
+                  <a:lumMod val="75000"/>
+                  <a:lumOff val="25000"/>
+                </a:schemeClr>
               </a:solidFill>
             </a:endParaRPr>
           </a:p>
@@ -14119,7 +14769,10 @@
           <a:noFill/>
           <a:ln w="28575" cap="flat" cmpd="sng">
             <a:solidFill>
-              <a:srgbClr val="0C6291"/>
+              <a:schemeClr val="tx1">
+                <a:lumMod val="75000"/>
+                <a:lumOff val="25000"/>
+              </a:schemeClr>
             </a:solidFill>
             <a:prstDash val="solid"/>
             <a:miter lim="800000"/>
@@ -14185,7 +14838,7 @@
         <p:spPr>
           <a:xfrm>
             <a:off x="838200" y="1579951"/>
-            <a:ext cx="5257800" cy="391458"/>
+            <a:ext cx="3867172" cy="391458"/>
           </a:xfrm>
           <a:prstGeom prst="rect">
             <a:avLst/>
@@ -14263,8 +14916,8 @@
         </p:nvSpPr>
         <p:spPr>
           <a:xfrm>
-            <a:off x="838200" y="3561795"/>
-            <a:ext cx="5520656" cy="2533243"/>
+            <a:off x="5369446" y="1579951"/>
+            <a:ext cx="5520656" cy="4178816"/>
           </a:xfrm>
           <a:prstGeom prst="rect">
             <a:avLst/>
@@ -14310,33 +14963,6 @@
           </a:p>
         </p:txBody>
       </p:sp>
-      <p:pic>
-        <p:nvPicPr>
-          <p:cNvPr id="113" name="Google Shape;113;p2"/>
-          <p:cNvPicPr preferRelativeResize="0"/>
-          <p:nvPr/>
-        </p:nvPicPr>
-        <p:blipFill rotWithShape="1">
-          <a:blip r:embed="rId4">
-            <a:alphaModFix/>
-          </a:blip>
-          <a:srcRect/>
-          <a:stretch/>
-        </p:blipFill>
-        <p:spPr>
-          <a:xfrm>
-            <a:off x="946018" y="3672761"/>
-            <a:ext cx="5305019" cy="2370327"/>
-          </a:xfrm>
-          <a:prstGeom prst="rect">
-            <a:avLst/>
-          </a:prstGeom>
-          <a:noFill/>
-          <a:ln>
-            <a:noFill/>
-          </a:ln>
-        </p:spPr>
-      </p:pic>
       <p:sp>
         <p:nvSpPr>
           <p:cNvPr id="114" name="Google Shape;114;p2"/>
@@ -14443,8 +15069,8 @@
         </p:nvSpPr>
         <p:spPr>
           <a:xfrm>
-            <a:off x="2293568" y="2888089"/>
-            <a:ext cx="931730" cy="276999"/>
+            <a:off x="2256426" y="2799311"/>
+            <a:ext cx="1017915" cy="461624"/>
           </a:xfrm>
           <a:prstGeom prst="rect">
             <a:avLst/>
@@ -14470,7 +15096,7 @@
               <a:buNone/>
             </a:pPr>
             <a:r>
-              <a:rPr lang="en-US" sz="1200" b="1">
+              <a:rPr lang="en-US" sz="1200" b="1" dirty="0">
                 <a:solidFill>
                   <a:schemeClr val="dk1"/>
                 </a:solidFill>
@@ -14479,131 +15105,9 @@
                 <a:cs typeface="Calibri"/>
                 <a:sym typeface="Calibri"/>
               </a:rPr>
-              <a:t>Merge Data</a:t>
+              <a:t>Clean Columns</a:t>
             </a:r>
-            <a:endParaRPr/>
-          </a:p>
-        </p:txBody>
-      </p:sp>
-      <p:sp>
-        <p:nvSpPr>
-          <p:cNvPr id="117" name="Google Shape;117;p2"/>
-          <p:cNvSpPr/>
-          <p:nvPr/>
-        </p:nvSpPr>
-        <p:spPr>
-          <a:xfrm>
-            <a:off x="3603629" y="2221764"/>
-            <a:ext cx="1090569" cy="1095724"/>
-          </a:xfrm>
-          <a:prstGeom prst="rect">
-            <a:avLst/>
-          </a:prstGeom>
-          <a:solidFill>
-            <a:srgbClr val="E7E6E6"/>
-          </a:solidFill>
-          <a:ln>
-            <a:noFill/>
-          </a:ln>
-        </p:spPr>
-        <p:txBody>
-          <a:bodyPr spcFirstLastPara="1" wrap="square" lIns="91425" tIns="45700" rIns="91425" bIns="45700" anchor="ctr" anchorCtr="0">
-            <a:noAutofit/>
-          </a:bodyPr>
-          <a:lstStyle/>
-          <a:p>
-            <a:pPr marL="0" marR="0" lvl="0" indent="0" algn="ctr" rtl="0">
-              <a:spcBef>
-                <a:spcPts val="0"/>
-              </a:spcBef>
-              <a:spcAft>
-                <a:spcPts val="0"/>
-              </a:spcAft>
-              <a:buNone/>
-            </a:pPr>
-            <a:endParaRPr sz="1800">
-              <a:solidFill>
-                <a:schemeClr val="lt1"/>
-              </a:solidFill>
-              <a:latin typeface="Calibri"/>
-              <a:ea typeface="Calibri"/>
-              <a:cs typeface="Calibri"/>
-              <a:sym typeface="Calibri"/>
-            </a:endParaRPr>
-          </a:p>
-        </p:txBody>
-      </p:sp>
-      <p:sp>
-        <p:nvSpPr>
-          <p:cNvPr id="118" name="Google Shape;118;p2"/>
-          <p:cNvSpPr txBox="1"/>
-          <p:nvPr/>
-        </p:nvSpPr>
-        <p:spPr>
-          <a:xfrm>
-            <a:off x="3750824" y="2766602"/>
-            <a:ext cx="789896" cy="461665"/>
-          </a:xfrm>
-          <a:prstGeom prst="rect">
-            <a:avLst/>
-          </a:prstGeom>
-          <a:noFill/>
-          <a:ln>
-            <a:noFill/>
-          </a:ln>
-        </p:spPr>
-        <p:txBody>
-          <a:bodyPr spcFirstLastPara="1" wrap="square" lIns="91425" tIns="45700" rIns="91425" bIns="45700" anchor="t" anchorCtr="0">
-            <a:spAutoFit/>
-          </a:bodyPr>
-          <a:lstStyle/>
-          <a:p>
-            <a:pPr marL="0" marR="0" lvl="0" indent="0" algn="ctr" rtl="0">
-              <a:spcBef>
-                <a:spcPts val="0"/>
-              </a:spcBef>
-              <a:spcAft>
-                <a:spcPts val="0"/>
-              </a:spcAft>
-              <a:buNone/>
-            </a:pPr>
-            <a:r>
-              <a:rPr lang="en-US" sz="1200" b="1">
-                <a:solidFill>
-                  <a:schemeClr val="dk1"/>
-                </a:solidFill>
-                <a:latin typeface="Calibri"/>
-                <a:ea typeface="Calibri"/>
-                <a:cs typeface="Calibri"/>
-                <a:sym typeface="Calibri"/>
-              </a:rPr>
-              <a:t>Geocode</a:t>
-            </a:r>
-            <a:endParaRPr/>
-          </a:p>
-          <a:p>
-            <a:pPr marL="0" marR="0" lvl="0" indent="0" algn="ctr" rtl="0">
-              <a:spcBef>
-                <a:spcPts val="0"/>
-              </a:spcBef>
-              <a:spcAft>
-                <a:spcPts val="0"/>
-              </a:spcAft>
-              <a:buNone/>
-            </a:pPr>
-            <a:r>
-              <a:rPr lang="en-US" sz="1200" b="1">
-                <a:solidFill>
-                  <a:schemeClr val="dk1"/>
-                </a:solidFill>
-                <a:latin typeface="Calibri"/>
-                <a:ea typeface="Calibri"/>
-                <a:cs typeface="Calibri"/>
-                <a:sym typeface="Calibri"/>
-              </a:rPr>
-              <a:t>Locations</a:t>
-            </a:r>
-            <a:endParaRPr/>
+            <a:endParaRPr dirty="0"/>
           </a:p>
         </p:txBody>
       </p:sp>
@@ -14615,7 +15119,7 @@
         </p:nvSpPr>
         <p:spPr>
           <a:xfrm>
-            <a:off x="5005431" y="2221764"/>
+            <a:off x="3614803" y="2251449"/>
             <a:ext cx="1090569" cy="1095724"/>
           </a:xfrm>
           <a:prstGeom prst="rect">
@@ -14663,8 +15167,8 @@
         </p:nvSpPr>
         <p:spPr>
           <a:xfrm>
-            <a:off x="5182314" y="2800423"/>
-            <a:ext cx="736804" cy="461665"/>
+            <a:off x="3703244" y="2812352"/>
+            <a:ext cx="913686" cy="461624"/>
           </a:xfrm>
           <a:prstGeom prst="rect">
             <a:avLst/>
@@ -14690,7 +15194,7 @@
               <a:buNone/>
             </a:pPr>
             <a:r>
-              <a:rPr lang="en-US" sz="1200" b="1">
+              <a:rPr lang="en-US" sz="1200" b="1" dirty="0">
                 <a:solidFill>
                   <a:schemeClr val="dk1"/>
                 </a:solidFill>
@@ -14699,33 +15203,9 @@
                 <a:cs typeface="Calibri"/>
                 <a:sym typeface="Calibri"/>
               </a:rPr>
-              <a:t>Remove </a:t>
+              <a:t>Transform Data</a:t>
             </a:r>
-            <a:endParaRPr/>
-          </a:p>
-          <a:p>
-            <a:pPr marL="0" marR="0" lvl="0" indent="0" algn="ctr" rtl="0">
-              <a:spcBef>
-                <a:spcPts val="0"/>
-              </a:spcBef>
-              <a:spcAft>
-                <a:spcPts val="0"/>
-              </a:spcAft>
-              <a:buNone/>
-            </a:pPr>
-            <a:r>
-              <a:rPr lang="en-US" sz="1200" b="1">
-                <a:solidFill>
-                  <a:schemeClr val="dk1"/>
-                </a:solidFill>
-                <a:latin typeface="Calibri"/>
-                <a:ea typeface="Calibri"/>
-                <a:cs typeface="Calibri"/>
-                <a:sym typeface="Calibri"/>
-              </a:rPr>
-              <a:t>Missing</a:t>
-            </a:r>
-            <a:endParaRPr/>
+            <a:endParaRPr lang="en-US" sz="1200" dirty="0"/>
           </a:p>
         </p:txBody>
       </p:sp>
@@ -14736,7 +15216,7 @@
           <p:nvPr/>
         </p:nvPicPr>
         <p:blipFill rotWithShape="1">
-          <a:blip r:embed="rId5">
+          <a:blip r:embed="rId4">
             <a:alphaModFix/>
           </a:blip>
           <a:srcRect/>
@@ -14744,7 +15224,7 @@
         </p:blipFill>
         <p:spPr>
           <a:xfrm>
-            <a:off x="5377211" y="2408305"/>
+            <a:off x="2592843" y="2398774"/>
             <a:ext cx="347008" cy="347008"/>
           </a:xfrm>
           <a:prstGeom prst="rect">
@@ -14791,7 +15271,7 @@
             <p:nvPr/>
           </p:nvPicPr>
           <p:blipFill>
-            <a:blip r:embed="rId6"/>
+            <a:blip r:embed="rId5"/>
             <a:stretch>
               <a:fillRect/>
             </a:stretch>
@@ -14846,6 +15326,66 @@
           </p:txBody>
         </p:sp>
       </p:grpSp>
+      <p:pic>
+        <p:nvPicPr>
+          <p:cNvPr id="3" name="Picture 2">
+            <a:extLst>
+              <a:ext uri="{FF2B5EF4-FFF2-40B4-BE49-F238E27FC236}">
+                <a16:creationId xmlns:a16="http://schemas.microsoft.com/office/drawing/2014/main" id="{FDB9628F-8C3E-49DE-AD4E-5825F98A0B85}"/>
+              </a:ext>
+            </a:extLst>
+          </p:cNvPr>
+          <p:cNvPicPr>
+            <a:picLocks noChangeAspect="1"/>
+          </p:cNvPicPr>
+          <p:nvPr/>
+        </p:nvPicPr>
+        <p:blipFill>
+          <a:blip r:embed="rId6"/>
+          <a:stretch>
+            <a:fillRect/>
+          </a:stretch>
+        </p:blipFill>
+        <p:spPr>
+          <a:xfrm>
+            <a:off x="5737288" y="1759842"/>
+            <a:ext cx="4817521" cy="3819033"/>
+          </a:xfrm>
+          <a:prstGeom prst="rect">
+            <a:avLst/>
+          </a:prstGeom>
+        </p:spPr>
+      </p:pic>
+      <p:pic>
+        <p:nvPicPr>
+          <p:cNvPr id="5" name="Picture 4" descr="Shape&#10;&#10;Description automatically generated with low confidence">
+            <a:extLst>
+              <a:ext uri="{FF2B5EF4-FFF2-40B4-BE49-F238E27FC236}">
+                <a16:creationId xmlns:a16="http://schemas.microsoft.com/office/drawing/2014/main" id="{4E118BB6-83DE-4A9D-8A75-1BA6941B0C58}"/>
+              </a:ext>
+            </a:extLst>
+          </p:cNvPr>
+          <p:cNvPicPr>
+            <a:picLocks noChangeAspect="1"/>
+          </p:cNvPicPr>
+          <p:nvPr/>
+        </p:nvPicPr>
+        <p:blipFill>
+          <a:blip r:embed="rId7"/>
+          <a:stretch>
+            <a:fillRect/>
+          </a:stretch>
+        </p:blipFill>
+        <p:spPr>
+          <a:xfrm>
+            <a:off x="3986732" y="2395276"/>
+            <a:ext cx="345571" cy="345571"/>
+          </a:xfrm>
+          <a:prstGeom prst="rect">
+            <a:avLst/>
+          </a:prstGeom>
+        </p:spPr>
+      </p:pic>
     </p:spTree>
   </p:cSld>
   <p:clrMapOvr>
@@ -16738,7 +17278,7 @@
                 <a:cs typeface="Calibri"/>
                 <a:sym typeface="Calibri"/>
               </a:rPr>
-              <a:t>Overtime</a:t>
+              <a:t>Monthly Income</a:t>
             </a:r>
             <a:r>
               <a:rPr lang="en-US" sz="1400" b="1" dirty="0">
@@ -17522,7 +18062,7 @@
                   </a:schemeClr>
                 </a:solidFill>
               </a:rPr>
-              <a:t>The </a:t>
+              <a:t>Two classification models were assessed to </a:t>
             </a:r>
             <a:r>
               <a:rPr lang="en-US" sz="2200" b="1" dirty="0">
@@ -17530,7 +18070,7 @@
                   <a:srgbClr val="0C6291"/>
                 </a:solidFill>
               </a:rPr>
-              <a:t>top three factors that contribute to turnover </a:t>
+              <a:t>predict employee attrition</a:t>
             </a:r>
             <a:r>
               <a:rPr lang="en-US" sz="2200" b="1" dirty="0">
@@ -17541,7 +18081,7 @@
                   </a:schemeClr>
                 </a:solidFill>
               </a:rPr>
-              <a:t>were calculated using the Multivariate Adaptive Regression Splines (MARS) algorithm with estimated variable importance</a:t>
+              <a:t>, with logistic regression being selected due to higher metric scores</a:t>
             </a:r>
             <a:endParaRPr sz="2200" dirty="0">
               <a:solidFill>
@@ -17724,7 +18264,7 @@
                 <a:cs typeface="Calibri"/>
                 <a:sym typeface="Calibri"/>
               </a:rPr>
-              <a:t>Classification: Predicting Employee Attrition</a:t>
+              <a:t>Classification: Naïve Bayes</a:t>
             </a:r>
             <a:endParaRPr lang="en-US" dirty="0"/>
           </a:p>
@@ -17782,7 +18322,7 @@
                 <a:cs typeface="Calibri"/>
                 <a:sym typeface="Calibri"/>
               </a:rPr>
-              <a:t>Regression: Predicting Employee Income</a:t>
+              <a:t>Classification: Logistic Regression</a:t>
             </a:r>
             <a:endParaRPr dirty="0">
               <a:solidFill>
@@ -17792,12 +18332,571 @@
           </a:p>
         </p:txBody>
       </p:sp>
+      <p:grpSp>
+        <p:nvGrpSpPr>
+          <p:cNvPr id="2" name="Group 1">
+            <a:extLst>
+              <a:ext uri="{FF2B5EF4-FFF2-40B4-BE49-F238E27FC236}">
+                <a16:creationId xmlns:a16="http://schemas.microsoft.com/office/drawing/2014/main" id="{F1181551-A072-4466-9EF2-597358474B8C}"/>
+              </a:ext>
+            </a:extLst>
+          </p:cNvPr>
+          <p:cNvGrpSpPr/>
+          <p:nvPr/>
+        </p:nvGrpSpPr>
+        <p:grpSpPr>
+          <a:xfrm>
+            <a:off x="838202" y="2276282"/>
+            <a:ext cx="4994427" cy="577048"/>
+            <a:chOff x="838202" y="2276282"/>
+            <a:chExt cx="4994427" cy="577048"/>
+          </a:xfrm>
+        </p:grpSpPr>
+        <p:sp>
+          <p:nvSpPr>
+            <p:cNvPr id="18" name="Google Shape;117;p2">
+              <a:extLst>
+                <a:ext uri="{FF2B5EF4-FFF2-40B4-BE49-F238E27FC236}">
+                  <a16:creationId xmlns:a16="http://schemas.microsoft.com/office/drawing/2014/main" id="{E223B141-D8F4-4BCC-932D-43FD475A551B}"/>
+                </a:ext>
+              </a:extLst>
+            </p:cNvPr>
+            <p:cNvSpPr/>
+            <p:nvPr/>
+          </p:nvSpPr>
+          <p:spPr>
+            <a:xfrm>
+              <a:off x="838202" y="2276282"/>
+              <a:ext cx="4994427" cy="577048"/>
+            </a:xfrm>
+            <a:prstGeom prst="rect">
+              <a:avLst/>
+            </a:prstGeom>
+            <a:solidFill>
+              <a:srgbClr val="E7E6E6"/>
+            </a:solidFill>
+            <a:ln>
+              <a:noFill/>
+            </a:ln>
+          </p:spPr>
+          <p:txBody>
+            <a:bodyPr spcFirstLastPara="1" wrap="square" lIns="91425" tIns="45700" rIns="91425" bIns="45700" anchor="ctr" anchorCtr="0">
+              <a:noAutofit/>
+            </a:bodyPr>
+            <a:lstStyle/>
+            <a:p>
+              <a:pPr marL="0" marR="0" lvl="0" indent="0" algn="ctr" rtl="0">
+                <a:spcBef>
+                  <a:spcPts val="0"/>
+                </a:spcBef>
+                <a:spcAft>
+                  <a:spcPts val="0"/>
+                </a:spcAft>
+                <a:buNone/>
+              </a:pPr>
+              <a:endParaRPr sz="1800" b="1" dirty="0">
+                <a:solidFill>
+                  <a:srgbClr val="C0392B"/>
+                </a:solidFill>
+                <a:latin typeface="Calibri"/>
+                <a:ea typeface="Calibri"/>
+                <a:cs typeface="Calibri"/>
+                <a:sym typeface="Calibri"/>
+              </a:endParaRPr>
+            </a:p>
+          </p:txBody>
+        </p:sp>
+        <p:sp>
+          <p:nvSpPr>
+            <p:cNvPr id="12" name="TextBox 11">
+              <a:extLst>
+                <a:ext uri="{FF2B5EF4-FFF2-40B4-BE49-F238E27FC236}">
+                  <a16:creationId xmlns:a16="http://schemas.microsoft.com/office/drawing/2014/main" id="{2ACC0584-EAC5-4F95-BB11-B336ABD44803}"/>
+                </a:ext>
+              </a:extLst>
+            </p:cNvPr>
+            <p:cNvSpPr txBox="1"/>
+            <p:nvPr/>
+          </p:nvSpPr>
+          <p:spPr>
+            <a:xfrm>
+              <a:off x="1119326" y="2403190"/>
+              <a:ext cx="4403324" cy="307777"/>
+            </a:xfrm>
+            <a:prstGeom prst="rect">
+              <a:avLst/>
+            </a:prstGeom>
+            <a:noFill/>
+          </p:spPr>
+          <p:txBody>
+            <a:bodyPr wrap="square" rtlCol="0">
+              <a:spAutoFit/>
+            </a:bodyPr>
+            <a:lstStyle/>
+            <a:p>
+              <a:pPr algn="ctr"/>
+              <a:r>
+                <a:rPr lang="en-US" dirty="0">
+                  <a:solidFill>
+                    <a:schemeClr val="tx1">
+                      <a:lumMod val="75000"/>
+                      <a:lumOff val="25000"/>
+                    </a:schemeClr>
+                  </a:solidFill>
+                </a:rPr>
+                <a:t>probability based model</a:t>
+              </a:r>
+            </a:p>
+          </p:txBody>
+        </p:sp>
+      </p:grpSp>
+      <p:grpSp>
+        <p:nvGrpSpPr>
+          <p:cNvPr id="14" name="Group 13">
+            <a:extLst>
+              <a:ext uri="{FF2B5EF4-FFF2-40B4-BE49-F238E27FC236}">
+                <a16:creationId xmlns:a16="http://schemas.microsoft.com/office/drawing/2014/main" id="{0553A97F-5604-4FD2-940A-6B9A377A51E4}"/>
+              </a:ext>
+            </a:extLst>
+          </p:cNvPr>
+          <p:cNvGrpSpPr/>
+          <p:nvPr/>
+        </p:nvGrpSpPr>
+        <p:grpSpPr>
+          <a:xfrm>
+            <a:off x="6359371" y="2276282"/>
+            <a:ext cx="4994427" cy="577048"/>
+            <a:chOff x="838202" y="2276282"/>
+            <a:chExt cx="4994427" cy="577048"/>
+          </a:xfrm>
+        </p:grpSpPr>
+        <p:sp>
+          <p:nvSpPr>
+            <p:cNvPr id="15" name="Google Shape;117;p2">
+              <a:extLst>
+                <a:ext uri="{FF2B5EF4-FFF2-40B4-BE49-F238E27FC236}">
+                  <a16:creationId xmlns:a16="http://schemas.microsoft.com/office/drawing/2014/main" id="{0CD4D395-916B-4E0D-A0DF-07619A577EAB}"/>
+                </a:ext>
+              </a:extLst>
+            </p:cNvPr>
+            <p:cNvSpPr/>
+            <p:nvPr/>
+          </p:nvSpPr>
+          <p:spPr>
+            <a:xfrm>
+              <a:off x="838202" y="2276282"/>
+              <a:ext cx="4994427" cy="577048"/>
+            </a:xfrm>
+            <a:prstGeom prst="rect">
+              <a:avLst/>
+            </a:prstGeom>
+            <a:solidFill>
+              <a:srgbClr val="E7E6E6"/>
+            </a:solidFill>
+            <a:ln>
+              <a:noFill/>
+            </a:ln>
+          </p:spPr>
+          <p:txBody>
+            <a:bodyPr spcFirstLastPara="1" wrap="square" lIns="91425" tIns="45700" rIns="91425" bIns="45700" anchor="ctr" anchorCtr="0">
+              <a:noAutofit/>
+            </a:bodyPr>
+            <a:lstStyle/>
+            <a:p>
+              <a:pPr marL="0" marR="0" lvl="0" indent="0" algn="ctr" rtl="0">
+                <a:spcBef>
+                  <a:spcPts val="0"/>
+                </a:spcBef>
+                <a:spcAft>
+                  <a:spcPts val="0"/>
+                </a:spcAft>
+                <a:buNone/>
+              </a:pPr>
+              <a:endParaRPr sz="1800" b="1" dirty="0">
+                <a:solidFill>
+                  <a:srgbClr val="C0392B"/>
+                </a:solidFill>
+                <a:latin typeface="Calibri"/>
+                <a:ea typeface="Calibri"/>
+                <a:cs typeface="Calibri"/>
+                <a:sym typeface="Calibri"/>
+              </a:endParaRPr>
+            </a:p>
+          </p:txBody>
+        </p:sp>
+        <p:sp>
+          <p:nvSpPr>
+            <p:cNvPr id="16" name="TextBox 15">
+              <a:extLst>
+                <a:ext uri="{FF2B5EF4-FFF2-40B4-BE49-F238E27FC236}">
+                  <a16:creationId xmlns:a16="http://schemas.microsoft.com/office/drawing/2014/main" id="{9582CC4F-B28B-4DE1-886F-FA21A8EBCF24}"/>
+                </a:ext>
+              </a:extLst>
+            </p:cNvPr>
+            <p:cNvSpPr txBox="1"/>
+            <p:nvPr/>
+          </p:nvSpPr>
+          <p:spPr>
+            <a:xfrm>
+              <a:off x="1119326" y="2403190"/>
+              <a:ext cx="4403324" cy="307777"/>
+            </a:xfrm>
+            <a:prstGeom prst="rect">
+              <a:avLst/>
+            </a:prstGeom>
+            <a:noFill/>
+          </p:spPr>
+          <p:txBody>
+            <a:bodyPr wrap="square" rtlCol="0">
+              <a:spAutoFit/>
+            </a:bodyPr>
+            <a:lstStyle/>
+            <a:p>
+              <a:pPr algn="ctr"/>
+              <a:r>
+                <a:rPr lang="en-US" dirty="0">
+                  <a:solidFill>
+                    <a:schemeClr val="tx1">
+                      <a:lumMod val="75000"/>
+                      <a:lumOff val="25000"/>
+                    </a:schemeClr>
+                  </a:solidFill>
+                </a:rPr>
+                <a:t>regression based model</a:t>
+              </a:r>
+            </a:p>
+          </p:txBody>
+        </p:sp>
+      </p:grpSp>
+      <p:graphicFrame>
+        <p:nvGraphicFramePr>
+          <p:cNvPr id="6" name="Table 6">
+            <a:extLst>
+              <a:ext uri="{FF2B5EF4-FFF2-40B4-BE49-F238E27FC236}">
+                <a16:creationId xmlns:a16="http://schemas.microsoft.com/office/drawing/2014/main" id="{126543F1-61FA-455A-A088-C28169983013}"/>
+              </a:ext>
+            </a:extLst>
+          </p:cNvPr>
+          <p:cNvGraphicFramePr>
+            <a:graphicFrameLocks noGrp="1"/>
+          </p:cNvGraphicFramePr>
+          <p:nvPr>
+            <p:extLst>
+              <p:ext uri="{D42A27DB-BD31-4B8C-83A1-F6EECF244321}">
+                <p14:modId xmlns:p14="http://schemas.microsoft.com/office/powerpoint/2010/main" val="3555791366"/>
+              </p:ext>
+            </p:extLst>
+          </p:nvPr>
+        </p:nvGraphicFramePr>
+        <p:xfrm>
+          <a:off x="2032000" y="3463640"/>
+          <a:ext cx="8127999" cy="1854200"/>
+        </p:xfrm>
+        <a:graphic>
+          <a:graphicData uri="http://schemas.openxmlformats.org/drawingml/2006/table">
+            <a:tbl>
+              <a:tblPr firstRow="1" bandRow="1">
+                <a:tableStyleId>{F5AB1C69-6EDB-4FF4-983F-18BD219EF322}</a:tableStyleId>
+              </a:tblPr>
+              <a:tblGrid>
+                <a:gridCol w="2709333">
+                  <a:extLst>
+                    <a:ext uri="{9D8B030D-6E8A-4147-A177-3AD203B41FA5}">
+                      <a16:colId xmlns:a16="http://schemas.microsoft.com/office/drawing/2014/main" val="2743924440"/>
+                    </a:ext>
+                  </a:extLst>
+                </a:gridCol>
+                <a:gridCol w="2709333">
+                  <a:extLst>
+                    <a:ext uri="{9D8B030D-6E8A-4147-A177-3AD203B41FA5}">
+                      <a16:colId xmlns:a16="http://schemas.microsoft.com/office/drawing/2014/main" val="139128569"/>
+                    </a:ext>
+                  </a:extLst>
+                </a:gridCol>
+                <a:gridCol w="2709333">
+                  <a:extLst>
+                    <a:ext uri="{9D8B030D-6E8A-4147-A177-3AD203B41FA5}">
+                      <a16:colId xmlns:a16="http://schemas.microsoft.com/office/drawing/2014/main" val="1323932261"/>
+                    </a:ext>
+                  </a:extLst>
+                </a:gridCol>
+              </a:tblGrid>
+              <a:tr h="370840">
+                <a:tc>
+                  <a:txBody>
+                    <a:bodyPr/>
+                    <a:lstStyle/>
+                    <a:p>
+                      <a:endParaRPr lang="en-US" dirty="0"/>
+                    </a:p>
+                  </a:txBody>
+                  <a:tcPr/>
+                </a:tc>
+                <a:tc>
+                  <a:txBody>
+                    <a:bodyPr/>
+                    <a:lstStyle/>
+                    <a:p>
+                      <a:pPr algn="ctr"/>
+                      <a:r>
+                        <a:rPr lang="en-US" dirty="0"/>
+                        <a:t>Naïve Bayes</a:t>
+                      </a:r>
+                    </a:p>
+                  </a:txBody>
+                  <a:tcPr>
+                    <a:solidFill>
+                      <a:srgbClr val="0C6291"/>
+                    </a:solidFill>
+                  </a:tcPr>
+                </a:tc>
+                <a:tc>
+                  <a:txBody>
+                    <a:bodyPr/>
+                    <a:lstStyle/>
+                    <a:p>
+                      <a:pPr algn="ctr"/>
+                      <a:r>
+                        <a:rPr lang="en-US" dirty="0"/>
+                        <a:t>Logistic Regression</a:t>
+                      </a:r>
+                    </a:p>
+                  </a:txBody>
+                  <a:tcPr>
+                    <a:solidFill>
+                      <a:srgbClr val="0C6291"/>
+                    </a:solidFill>
+                  </a:tcPr>
+                </a:tc>
+                <a:extLst>
+                  <a:ext uri="{0D108BD9-81ED-4DB2-BD59-A6C34878D82A}">
+                    <a16:rowId xmlns:a16="http://schemas.microsoft.com/office/drawing/2014/main" val="3247598670"/>
+                  </a:ext>
+                </a:extLst>
+              </a:tr>
+              <a:tr h="370840">
+                <a:tc>
+                  <a:txBody>
+                    <a:bodyPr/>
+                    <a:lstStyle/>
+                    <a:p>
+                      <a:r>
+                        <a:rPr lang="en-US" dirty="0"/>
+                        <a:t>Accuracy</a:t>
+                      </a:r>
+                    </a:p>
+                  </a:txBody>
+                  <a:tcPr/>
+                </a:tc>
+                <a:tc>
+                  <a:txBody>
+                    <a:bodyPr/>
+                    <a:lstStyle/>
+                    <a:p>
+                      <a:pPr algn="ctr"/>
+                      <a:r>
+                        <a:rPr lang="en-US" dirty="0"/>
+                        <a:t>87.0%</a:t>
+                      </a:r>
+                    </a:p>
+                  </a:txBody>
+                  <a:tcPr/>
+                </a:tc>
+                <a:tc>
+                  <a:txBody>
+                    <a:bodyPr/>
+                    <a:lstStyle/>
+                    <a:p>
+                      <a:pPr algn="ctr"/>
+                      <a:r>
+                        <a:rPr lang="en-US" dirty="0"/>
+                        <a:t>87.4%</a:t>
+                      </a:r>
+                    </a:p>
+                  </a:txBody>
+                  <a:tcPr/>
+                </a:tc>
+                <a:extLst>
+                  <a:ext uri="{0D108BD9-81ED-4DB2-BD59-A6C34878D82A}">
+                    <a16:rowId xmlns:a16="http://schemas.microsoft.com/office/drawing/2014/main" val="354403164"/>
+                  </a:ext>
+                </a:extLst>
+              </a:tr>
+              <a:tr h="370840">
+                <a:tc>
+                  <a:txBody>
+                    <a:bodyPr/>
+                    <a:lstStyle/>
+                    <a:p>
+                      <a:r>
+                        <a:rPr lang="en-US" dirty="0"/>
+                        <a:t>Sensitivity</a:t>
+                      </a:r>
+                    </a:p>
+                  </a:txBody>
+                  <a:tcPr/>
+                </a:tc>
+                <a:tc>
+                  <a:txBody>
+                    <a:bodyPr/>
+                    <a:lstStyle/>
+                    <a:p>
+                      <a:pPr algn="ctr"/>
+                      <a:r>
+                        <a:rPr lang="en-US" dirty="0"/>
+                        <a:t>94.5%</a:t>
+                      </a:r>
+                    </a:p>
+                  </a:txBody>
+                  <a:tcPr/>
+                </a:tc>
+                <a:tc>
+                  <a:txBody>
+                    <a:bodyPr/>
+                    <a:lstStyle/>
+                    <a:p>
+                      <a:pPr algn="ctr"/>
+                      <a:r>
+                        <a:rPr lang="en-US" dirty="0"/>
+                        <a:t>92.3%</a:t>
+                      </a:r>
+                    </a:p>
+                  </a:txBody>
+                  <a:tcPr/>
+                </a:tc>
+                <a:extLst>
+                  <a:ext uri="{0D108BD9-81ED-4DB2-BD59-A6C34878D82A}">
+                    <a16:rowId xmlns:a16="http://schemas.microsoft.com/office/drawing/2014/main" val="463280532"/>
+                  </a:ext>
+                </a:extLst>
+              </a:tr>
+              <a:tr h="370840">
+                <a:tc>
+                  <a:txBody>
+                    <a:bodyPr/>
+                    <a:lstStyle/>
+                    <a:p>
+                      <a:r>
+                        <a:rPr lang="en-US" dirty="0"/>
+                        <a:t>Specificity</a:t>
+                      </a:r>
+                    </a:p>
+                  </a:txBody>
+                  <a:tcPr/>
+                </a:tc>
+                <a:tc>
+                  <a:txBody>
+                    <a:bodyPr/>
+                    <a:lstStyle/>
+                    <a:p>
+                      <a:pPr algn="ctr"/>
+                      <a:r>
+                        <a:rPr lang="en-US" dirty="0"/>
+                        <a:t>47.6%</a:t>
+                      </a:r>
+                    </a:p>
+                  </a:txBody>
+                  <a:tcPr/>
+                </a:tc>
+                <a:tc>
+                  <a:txBody>
+                    <a:bodyPr/>
+                    <a:lstStyle/>
+                    <a:p>
+                      <a:pPr algn="ctr"/>
+                      <a:r>
+                        <a:rPr lang="en-US" dirty="0"/>
+                        <a:t>61.0%</a:t>
+                      </a:r>
+                    </a:p>
+                  </a:txBody>
+                  <a:tcPr/>
+                </a:tc>
+                <a:extLst>
+                  <a:ext uri="{0D108BD9-81ED-4DB2-BD59-A6C34878D82A}">
+                    <a16:rowId xmlns:a16="http://schemas.microsoft.com/office/drawing/2014/main" val="1305469299"/>
+                  </a:ext>
+                </a:extLst>
+              </a:tr>
+              <a:tr h="370840">
+                <a:tc>
+                  <a:txBody>
+                    <a:bodyPr/>
+                    <a:lstStyle/>
+                    <a:p>
+                      <a:r>
+                        <a:rPr lang="en-US" dirty="0">
+                          <a:solidFill>
+                            <a:schemeClr val="tx1">
+                              <a:lumMod val="50000"/>
+                              <a:lumOff val="50000"/>
+                            </a:schemeClr>
+                          </a:solidFill>
+                        </a:rPr>
+                        <a:t>Pos. Prediction Value</a:t>
+                      </a:r>
+                    </a:p>
+                  </a:txBody>
+                  <a:tcPr/>
+                </a:tc>
+                <a:tc>
+                  <a:txBody>
+                    <a:bodyPr/>
+                    <a:lstStyle/>
+                    <a:p>
+                      <a:pPr algn="ctr"/>
+                      <a:r>
+                        <a:rPr lang="en-US" dirty="0">
+                          <a:solidFill>
+                            <a:schemeClr val="tx1">
+                              <a:lumMod val="50000"/>
+                              <a:lumOff val="50000"/>
+                            </a:schemeClr>
+                          </a:solidFill>
+                        </a:rPr>
+                        <a:t>90.4%</a:t>
+                      </a:r>
+                    </a:p>
+                  </a:txBody>
+                  <a:tcPr/>
+                </a:tc>
+                <a:tc>
+                  <a:txBody>
+                    <a:bodyPr/>
+                    <a:lstStyle/>
+                    <a:p>
+                      <a:pPr algn="ctr"/>
+                      <a:r>
+                        <a:rPr lang="en-US" dirty="0">
+                          <a:solidFill>
+                            <a:schemeClr val="tx1">
+                              <a:lumMod val="50000"/>
+                              <a:lumOff val="50000"/>
+                            </a:schemeClr>
+                          </a:solidFill>
+                        </a:rPr>
+                        <a:t>92.7%</a:t>
+                      </a:r>
+                    </a:p>
+                  </a:txBody>
+                  <a:tcPr/>
+                </a:tc>
+                <a:extLst>
+                  <a:ext uri="{0D108BD9-81ED-4DB2-BD59-A6C34878D82A}">
+                    <a16:rowId xmlns:a16="http://schemas.microsoft.com/office/drawing/2014/main" val="1749727866"/>
+                  </a:ext>
+                </a:extLst>
+              </a:tr>
+            </a:tbl>
+          </a:graphicData>
+        </a:graphic>
+      </p:graphicFrame>
       <p:sp>
         <p:nvSpPr>
-          <p:cNvPr id="18" name="Google Shape;117;p2">
+          <p:cNvPr id="7" name="Arrow: Down 6">
             <a:extLst>
               <a:ext uri="{FF2B5EF4-FFF2-40B4-BE49-F238E27FC236}">
-                <a16:creationId xmlns:a16="http://schemas.microsoft.com/office/drawing/2014/main" id="{E223B141-D8F4-4BCC-932D-43FD475A551B}"/>
+                <a16:creationId xmlns:a16="http://schemas.microsoft.com/office/drawing/2014/main" id="{FA17CC88-C9C7-4DD0-A3FB-62C94D755FBB}"/>
               </a:ext>
             </a:extLst>
           </p:cNvPr>
@@ -17806,85 +18905,205 @@
         </p:nvSpPr>
         <p:spPr>
           <a:xfrm>
-            <a:off x="838202" y="2309659"/>
-            <a:ext cx="4994427" cy="1119341"/>
+            <a:off x="9641890" y="4328596"/>
+            <a:ext cx="114670" cy="124288"/>
           </a:xfrm>
-          <a:prstGeom prst="rect">
+          <a:prstGeom prst="downArrow">
             <a:avLst/>
           </a:prstGeom>
           <a:solidFill>
-            <a:srgbClr val="E7E6E6"/>
+            <a:srgbClr val="C00000">
+              <a:alpha val="50196"/>
+            </a:srgbClr>
           </a:solidFill>
           <a:ln>
             <a:noFill/>
           </a:ln>
         </p:spPr>
+        <p:style>
+          <a:lnRef idx="2">
+            <a:schemeClr val="accent1">
+              <a:shade val="50000"/>
+            </a:schemeClr>
+          </a:lnRef>
+          <a:fillRef idx="1">
+            <a:schemeClr val="accent1"/>
+          </a:fillRef>
+          <a:effectRef idx="0">
+            <a:schemeClr val="accent1"/>
+          </a:effectRef>
+          <a:fontRef idx="minor">
+            <a:schemeClr val="lt1"/>
+          </a:fontRef>
+        </p:style>
         <p:txBody>
-          <a:bodyPr spcFirstLastPara="1" wrap="square" lIns="91425" tIns="45700" rIns="91425" bIns="45700" anchor="ctr" anchorCtr="0">
-            <a:noAutofit/>
-          </a:bodyPr>
+          <a:bodyPr rtlCol="0" anchor="ctr"/>
           <a:lstStyle/>
           <a:p>
-            <a:pPr marL="0" marR="0" lvl="0" indent="0" algn="ctr" rtl="0">
-              <a:spcBef>
-                <a:spcPts val="0"/>
-              </a:spcBef>
-              <a:spcAft>
-                <a:spcPts val="0"/>
-              </a:spcAft>
-              <a:buNone/>
-            </a:pPr>
-            <a:endParaRPr sz="1800" b="1" dirty="0">
-              <a:solidFill>
-                <a:srgbClr val="C0392B"/>
-              </a:solidFill>
-              <a:latin typeface="Calibri"/>
-              <a:ea typeface="Calibri"/>
-              <a:cs typeface="Calibri"/>
-              <a:sym typeface="Calibri"/>
-            </a:endParaRPr>
+            <a:pPr algn="ctr"/>
+            <a:endParaRPr lang="en-US"/>
           </a:p>
         </p:txBody>
       </p:sp>
       <p:sp>
         <p:nvSpPr>
-          <p:cNvPr id="12" name="TextBox 11">
+          <p:cNvPr id="17" name="Arrow: Down 16">
             <a:extLst>
               <a:ext uri="{FF2B5EF4-FFF2-40B4-BE49-F238E27FC236}">
-                <a16:creationId xmlns:a16="http://schemas.microsoft.com/office/drawing/2014/main" id="{2ACC0584-EAC5-4F95-BB11-B336ABD44803}"/>
+                <a16:creationId xmlns:a16="http://schemas.microsoft.com/office/drawing/2014/main" id="{E53529C3-4B7C-48CD-9066-E12561E845BA}"/>
               </a:ext>
             </a:extLst>
           </p:cNvPr>
-          <p:cNvSpPr txBox="1"/>
+          <p:cNvSpPr/>
           <p:nvPr/>
         </p:nvSpPr>
         <p:spPr>
-          <a:xfrm>
-            <a:off x="1119326" y="2506124"/>
-            <a:ext cx="4403324" cy="738664"/>
+          <a:xfrm rot="10800000">
+            <a:off x="9641890" y="3961297"/>
+            <a:ext cx="114670" cy="124288"/>
           </a:xfrm>
-          <a:prstGeom prst="rect">
+          <a:prstGeom prst="downArrow">
             <a:avLst/>
           </a:prstGeom>
-          <a:noFill/>
+          <a:solidFill>
+            <a:schemeClr val="accent6">
+              <a:lumMod val="75000"/>
+            </a:schemeClr>
+          </a:solidFill>
+          <a:ln>
+            <a:noFill/>
+          </a:ln>
         </p:spPr>
+        <p:style>
+          <a:lnRef idx="2">
+            <a:schemeClr val="accent1">
+              <a:shade val="50000"/>
+            </a:schemeClr>
+          </a:lnRef>
+          <a:fillRef idx="1">
+            <a:schemeClr val="accent1"/>
+          </a:fillRef>
+          <a:effectRef idx="0">
+            <a:schemeClr val="accent1"/>
+          </a:effectRef>
+          <a:fontRef idx="minor">
+            <a:schemeClr val="lt1"/>
+          </a:fontRef>
+        </p:style>
         <p:txBody>
-          <a:bodyPr wrap="square" rtlCol="0">
-            <a:spAutoFit/>
-          </a:bodyPr>
+          <a:bodyPr rtlCol="0" anchor="ctr"/>
           <a:lstStyle/>
           <a:p>
-            <a:r>
-              <a:rPr lang="en-US" dirty="0">
-                <a:solidFill>
-                  <a:schemeClr val="tx1">
-                    <a:lumMod val="75000"/>
-                    <a:lumOff val="25000"/>
-                  </a:schemeClr>
-                </a:solidFill>
-              </a:rPr>
-              <a:t>Feature importance is a measure of the strength of the relationship between observed values and the response. </a:t>
-            </a:r>
+            <a:pPr algn="ctr"/>
+            <a:endParaRPr lang="en-US"/>
+          </a:p>
+        </p:txBody>
+      </p:sp>
+      <p:sp>
+        <p:nvSpPr>
+          <p:cNvPr id="20" name="Arrow: Down 19">
+            <a:extLst>
+              <a:ext uri="{FF2B5EF4-FFF2-40B4-BE49-F238E27FC236}">
+                <a16:creationId xmlns:a16="http://schemas.microsoft.com/office/drawing/2014/main" id="{486F9531-A643-48D8-8D2F-11139BC96C5B}"/>
+              </a:ext>
+            </a:extLst>
+          </p:cNvPr>
+          <p:cNvSpPr/>
+          <p:nvPr/>
+        </p:nvSpPr>
+        <p:spPr>
+          <a:xfrm rot="10800000">
+            <a:off x="9641890" y="4682550"/>
+            <a:ext cx="114670" cy="124288"/>
+          </a:xfrm>
+          <a:prstGeom prst="downArrow">
+            <a:avLst/>
+          </a:prstGeom>
+          <a:solidFill>
+            <a:schemeClr val="accent6">
+              <a:lumMod val="75000"/>
+            </a:schemeClr>
+          </a:solidFill>
+          <a:ln>
+            <a:noFill/>
+          </a:ln>
+        </p:spPr>
+        <p:style>
+          <a:lnRef idx="2">
+            <a:schemeClr val="accent1">
+              <a:shade val="50000"/>
+            </a:schemeClr>
+          </a:lnRef>
+          <a:fillRef idx="1">
+            <a:schemeClr val="accent1"/>
+          </a:fillRef>
+          <a:effectRef idx="0">
+            <a:schemeClr val="accent1"/>
+          </a:effectRef>
+          <a:fontRef idx="minor">
+            <a:schemeClr val="lt1"/>
+          </a:fontRef>
+        </p:style>
+        <p:txBody>
+          <a:bodyPr rtlCol="0" anchor="ctr"/>
+          <a:lstStyle/>
+          <a:p>
+            <a:pPr algn="ctr"/>
+            <a:endParaRPr lang="en-US"/>
+          </a:p>
+        </p:txBody>
+      </p:sp>
+      <p:sp>
+        <p:nvSpPr>
+          <p:cNvPr id="21" name="Arrow: Down 20">
+            <a:extLst>
+              <a:ext uri="{FF2B5EF4-FFF2-40B4-BE49-F238E27FC236}">
+                <a16:creationId xmlns:a16="http://schemas.microsoft.com/office/drawing/2014/main" id="{0D6D8343-90C0-4551-93F9-F1F1AC5FE2FE}"/>
+              </a:ext>
+            </a:extLst>
+          </p:cNvPr>
+          <p:cNvSpPr/>
+          <p:nvPr/>
+        </p:nvSpPr>
+        <p:spPr>
+          <a:xfrm rot="10800000">
+            <a:off x="9641890" y="5045383"/>
+            <a:ext cx="114670" cy="124288"/>
+          </a:xfrm>
+          <a:prstGeom prst="downArrow">
+            <a:avLst/>
+          </a:prstGeom>
+          <a:solidFill>
+            <a:schemeClr val="accent6">
+              <a:lumMod val="75000"/>
+            </a:schemeClr>
+          </a:solidFill>
+          <a:ln>
+            <a:noFill/>
+          </a:ln>
+        </p:spPr>
+        <p:style>
+          <a:lnRef idx="2">
+            <a:schemeClr val="accent1">
+              <a:shade val="50000"/>
+            </a:schemeClr>
+          </a:lnRef>
+          <a:fillRef idx="1">
+            <a:schemeClr val="accent1"/>
+          </a:fillRef>
+          <a:effectRef idx="0">
+            <a:schemeClr val="accent1"/>
+          </a:effectRef>
+          <a:fontRef idx="minor">
+            <a:schemeClr val="lt1"/>
+          </a:fontRef>
+        </p:style>
+        <p:txBody>
+          <a:bodyPr rtlCol="0" anchor="ctr"/>
+          <a:lstStyle/>
+          <a:p>
+            <a:pPr algn="ctr"/>
+            <a:endParaRPr lang="en-US"/>
           </a:p>
         </p:txBody>
       </p:sp>

--- a/MSDS6306_CaseStudy_02_RobertPrice.pptx
+++ b/MSDS6306_CaseStudy_02_RobertPrice.pptx
@@ -255,7 +255,7 @@
       <p15:sldGuideLst xmlns:p15="http://schemas.microsoft.com/office/powerpoint/2012/main"/>
     </p:ext>
     <p:ext uri="http://customooxmlschemas.google.com/">
-      <go:slidesCustomData xmlns:go="http://customooxmlschemas.google.com/" xmlns:ahyp="http://schemas.microsoft.com/office/drawing/2018/hyperlinkcolor" xmlns:p15="http://schemas.microsoft.com/office/powerpoint/2012/main" xmlns:p14="http://schemas.microsoft.com/office/powerpoint/2010/main" xmlns:com="http://schemas.openxmlformats.org/drawingml/2006/compatibility" xmlns:pvml="urn:schemas-microsoft-com:office:powerpoint" xmlns:v="urn:schemas-microsoft-com:vml" xmlns:o="urn:schemas-microsoft-com:office:office" xmlns:dgm="http://schemas.openxmlformats.org/drawingml/2006/diagram" xmlns:c="http://schemas.openxmlformats.org/drawingml/2006/chart" xmlns:mv="urn:schemas-microsoft-com:mac:vml" xmlns:mc="http://schemas.openxmlformats.org/markup-compatibility/2006" xmlns="" r:id="rId24" roundtripDataSignature="AMtx7mjPYCjJlfJdFZirjuIAIJwvDQhAbA=="/>
+      <go:slidesCustomData xmlns="" xmlns:mc="http://schemas.openxmlformats.org/markup-compatibility/2006" xmlns:mv="urn:schemas-microsoft-com:mac:vml" xmlns:c="http://schemas.openxmlformats.org/drawingml/2006/chart" xmlns:dgm="http://schemas.openxmlformats.org/drawingml/2006/diagram" xmlns:o="urn:schemas-microsoft-com:office:office" xmlns:v="urn:schemas-microsoft-com:vml" xmlns:pvml="urn:schemas-microsoft-com:office:powerpoint" xmlns:com="http://schemas.openxmlformats.org/drawingml/2006/compatibility" xmlns:p14="http://schemas.microsoft.com/office/powerpoint/2010/main" xmlns:p15="http://schemas.microsoft.com/office/powerpoint/2012/main" xmlns:ahyp="http://schemas.microsoft.com/office/drawing/2018/hyperlinkcolor" xmlns:go="http://customooxmlschemas.google.com/" r:id="rId24" roundtripDataSignature="AMtx7mjPYCjJlfJdFZirjuIAIJwvDQhAbA=="/>
     </p:ext>
   </p:extLst>
 </p:presentation>
@@ -3270,7 +3270,7 @@
         <p:fade/>
       </p:transition>
     </mc:Choice>
-    <mc:Fallback xmlns:ahyp="http://schemas.microsoft.com/office/drawing/2018/hyperlinkcolor" xmlns:p15="http://schemas.microsoft.com/office/powerpoint/2012/main" xmlns:com="http://schemas.openxmlformats.org/drawingml/2006/compatibility" xmlns:pvml="urn:schemas-microsoft-com:office:powerpoint" xmlns:v="urn:schemas-microsoft-com:vml" xmlns:o="urn:schemas-microsoft-com:office:office" xmlns:dgm="http://schemas.openxmlformats.org/drawingml/2006/diagram" xmlns:c="http://schemas.openxmlformats.org/drawingml/2006/chart" xmlns:mv="urn:schemas-microsoft-com:mac:vml" xmlns="">
+    <mc:Fallback xmlns="" xmlns:mv="urn:schemas-microsoft-com:mac:vml" xmlns:c="http://schemas.openxmlformats.org/drawingml/2006/chart" xmlns:dgm="http://schemas.openxmlformats.org/drawingml/2006/diagram" xmlns:o="urn:schemas-microsoft-com:office:office" xmlns:v="urn:schemas-microsoft-com:vml" xmlns:pvml="urn:schemas-microsoft-com:office:powerpoint" xmlns:com="http://schemas.openxmlformats.org/drawingml/2006/compatibility" xmlns:p15="http://schemas.microsoft.com/office/powerpoint/2012/main" xmlns:ahyp="http://schemas.microsoft.com/office/drawing/2018/hyperlinkcolor">
       <p:transition spd="slow">
         <p:fade/>
       </p:transition>
@@ -13686,7 +13686,7 @@
                   <a:srgbClr val="0C6291"/>
                 </a:solidFill>
               </a:rPr>
-              <a:t>https://www.youtube.com/watch?v=uqBYFlGNigQ</a:t>
+              <a:t>www.youtube.com/watch?v=uFBCkqPnDiE</a:t>
             </a:r>
           </a:p>
         </p:txBody>
@@ -14652,7 +14652,7 @@
         <p:fade/>
       </p:transition>
     </mc:Choice>
-    <mc:Fallback xmlns:ahyp="http://schemas.microsoft.com/office/drawing/2018/hyperlinkcolor" xmlns:p15="http://schemas.microsoft.com/office/powerpoint/2012/main" xmlns:com="http://schemas.openxmlformats.org/drawingml/2006/compatibility" xmlns:pvml="urn:schemas-microsoft-com:office:powerpoint" xmlns:v="urn:schemas-microsoft-com:vml" xmlns:o="urn:schemas-microsoft-com:office:office" xmlns:dgm="http://schemas.openxmlformats.org/drawingml/2006/diagram" xmlns:c="http://schemas.openxmlformats.org/drawingml/2006/chart" xmlns:mv="urn:schemas-microsoft-com:mac:vml" xmlns="">
+    <mc:Fallback xmlns="" xmlns:mv="urn:schemas-microsoft-com:mac:vml" xmlns:c="http://schemas.openxmlformats.org/drawingml/2006/chart" xmlns:dgm="http://schemas.openxmlformats.org/drawingml/2006/diagram" xmlns:o="urn:schemas-microsoft-com:office:office" xmlns:v="urn:schemas-microsoft-com:vml" xmlns:pvml="urn:schemas-microsoft-com:office:powerpoint" xmlns:com="http://schemas.openxmlformats.org/drawingml/2006/compatibility" xmlns:p15="http://schemas.microsoft.com/office/powerpoint/2012/main" xmlns:ahyp="http://schemas.microsoft.com/office/drawing/2018/hyperlinkcolor">
       <p:transition spd="slow">
         <p:fade/>
       </p:transition>
